--- a/HessJ_Tizen.pptx
+++ b/HessJ_Tizen.pptx
@@ -16,8 +16,8 @@
     <p:sldId id="261" r:id="rId7"/>
     <p:sldId id="262" r:id="rId8"/>
     <p:sldId id="266" r:id="rId9"/>
-    <p:sldId id="263" r:id="rId10"/>
-    <p:sldId id="264" r:id="rId11"/>
+    <p:sldId id="264" r:id="rId10"/>
+    <p:sldId id="263" r:id="rId11"/>
     <p:sldId id="267" r:id="rId12"/>
     <p:sldId id="268" r:id="rId13"/>
     <p:sldId id="269" r:id="rId14"/>
@@ -215,7 +215,7 @@
           <a:p>
             <a:fld id="{C882E73B-2DC6-4863-ACFD-3DC828BCCDEA}" type="datetimeFigureOut">
               <a:rPr lang="en-US" smtClean="0"/>
-              <a:t>4/29/2018</a:t>
+              <a:t>4/30/2018</a:t>
             </a:fld>
             <a:endParaRPr lang="en-US"/>
           </a:p>
@@ -652,7 +652,7 @@
           <a:p>
             <a:fld id="{96AEE0EA-3937-45AC-9B26-E3B0E4A57D54}" type="datetimeFigureOut">
               <a:rPr lang="en-US" smtClean="0"/>
-              <a:t>4/29/2018</a:t>
+              <a:t>4/30/2018</a:t>
             </a:fld>
             <a:endParaRPr lang="en-US"/>
           </a:p>
@@ -919,7 +919,7 @@
           <a:p>
             <a:fld id="{96AEE0EA-3937-45AC-9B26-E3B0E4A57D54}" type="datetimeFigureOut">
               <a:rPr lang="en-US" smtClean="0"/>
-              <a:t>4/29/2018</a:t>
+              <a:t>4/30/2018</a:t>
             </a:fld>
             <a:endParaRPr lang="en-US"/>
           </a:p>
@@ -1150,7 +1150,7 @@
           <a:p>
             <a:fld id="{96AEE0EA-3937-45AC-9B26-E3B0E4A57D54}" type="datetimeFigureOut">
               <a:rPr lang="en-US" smtClean="0"/>
-              <a:t>4/29/2018</a:t>
+              <a:t>4/30/2018</a:t>
             </a:fld>
             <a:endParaRPr lang="en-US"/>
           </a:p>
@@ -1460,7 +1460,7 @@
           <a:p>
             <a:fld id="{96AEE0EA-3937-45AC-9B26-E3B0E4A57D54}" type="datetimeFigureOut">
               <a:rPr lang="en-US" smtClean="0"/>
-              <a:t>4/29/2018</a:t>
+              <a:t>4/30/2018</a:t>
             </a:fld>
             <a:endParaRPr lang="en-US"/>
           </a:p>
@@ -1933,7 +1933,7 @@
           <a:p>
             <a:fld id="{96AEE0EA-3937-45AC-9B26-E3B0E4A57D54}" type="datetimeFigureOut">
               <a:rPr lang="en-US" smtClean="0"/>
-              <a:t>4/29/2018</a:t>
+              <a:t>4/30/2018</a:t>
             </a:fld>
             <a:endParaRPr lang="en-US"/>
           </a:p>
@@ -2480,7 +2480,7 @@
           <a:p>
             <a:fld id="{96AEE0EA-3937-45AC-9B26-E3B0E4A57D54}" type="datetimeFigureOut">
               <a:rPr lang="en-US" smtClean="0"/>
-              <a:t>4/29/2018</a:t>
+              <a:t>4/30/2018</a:t>
             </a:fld>
             <a:endParaRPr lang="en-US"/>
           </a:p>
@@ -3254,7 +3254,7 @@
           <a:p>
             <a:fld id="{96AEE0EA-3937-45AC-9B26-E3B0E4A57D54}" type="datetimeFigureOut">
               <a:rPr lang="en-US" smtClean="0"/>
-              <a:t>4/29/2018</a:t>
+              <a:t>4/30/2018</a:t>
             </a:fld>
             <a:endParaRPr lang="en-US"/>
           </a:p>
@@ -3429,7 +3429,7 @@
           <a:p>
             <a:fld id="{96AEE0EA-3937-45AC-9B26-E3B0E4A57D54}" type="datetimeFigureOut">
               <a:rPr lang="en-US" smtClean="0"/>
-              <a:t>4/29/2018</a:t>
+              <a:t>4/30/2018</a:t>
             </a:fld>
             <a:endParaRPr lang="en-US"/>
           </a:p>
@@ -3652,7 +3652,7 @@
           <a:p>
             <a:fld id="{96AEE0EA-3937-45AC-9B26-E3B0E4A57D54}" type="datetimeFigureOut">
               <a:rPr lang="en-US" smtClean="0"/>
-              <a:t>4/29/2018</a:t>
+              <a:t>4/30/2018</a:t>
             </a:fld>
             <a:endParaRPr lang="en-US"/>
           </a:p>
@@ -3832,7 +3832,7 @@
           <a:p>
             <a:fld id="{96AEE0EA-3937-45AC-9B26-E3B0E4A57D54}" type="datetimeFigureOut">
               <a:rPr lang="en-US" smtClean="0"/>
-              <a:t>4/29/2018</a:t>
+              <a:t>4/30/2018</a:t>
             </a:fld>
             <a:endParaRPr lang="en-US"/>
           </a:p>
@@ -4121,7 +4121,7 @@
           <a:p>
             <a:fld id="{96AEE0EA-3937-45AC-9B26-E3B0E4A57D54}" type="datetimeFigureOut">
               <a:rPr lang="en-US" smtClean="0"/>
-              <a:t>4/29/2018</a:t>
+              <a:t>4/30/2018</a:t>
             </a:fld>
             <a:endParaRPr lang="en-US"/>
           </a:p>
@@ -4363,7 +4363,7 @@
           <a:p>
             <a:fld id="{96AEE0EA-3937-45AC-9B26-E3B0E4A57D54}" type="datetimeFigureOut">
               <a:rPr lang="en-US" smtClean="0"/>
-              <a:t>4/29/2018</a:t>
+              <a:t>4/30/2018</a:t>
             </a:fld>
             <a:endParaRPr lang="en-US"/>
           </a:p>
@@ -4742,7 +4742,7 @@
           <a:p>
             <a:fld id="{96AEE0EA-3937-45AC-9B26-E3B0E4A57D54}" type="datetimeFigureOut">
               <a:rPr lang="en-US" smtClean="0"/>
-              <a:t>4/29/2018</a:t>
+              <a:t>4/30/2018</a:t>
             </a:fld>
             <a:endParaRPr lang="en-US"/>
           </a:p>
@@ -4860,7 +4860,7 @@
           <a:p>
             <a:fld id="{96AEE0EA-3937-45AC-9B26-E3B0E4A57D54}" type="datetimeFigureOut">
               <a:rPr lang="en-US" smtClean="0"/>
-              <a:t>4/29/2018</a:t>
+              <a:t>4/30/2018</a:t>
             </a:fld>
             <a:endParaRPr lang="en-US"/>
           </a:p>
@@ -4955,7 +4955,7 @@
           <a:p>
             <a:fld id="{96AEE0EA-3937-45AC-9B26-E3B0E4A57D54}" type="datetimeFigureOut">
               <a:rPr lang="en-US" smtClean="0"/>
-              <a:t>4/29/2018</a:t>
+              <a:t>4/30/2018</a:t>
             </a:fld>
             <a:endParaRPr lang="en-US"/>
           </a:p>
@@ -5204,7 +5204,7 @@
           <a:p>
             <a:fld id="{96AEE0EA-3937-45AC-9B26-E3B0E4A57D54}" type="datetimeFigureOut">
               <a:rPr lang="en-US" smtClean="0"/>
-              <a:t>4/29/2018</a:t>
+              <a:t>4/30/2018</a:t>
             </a:fld>
             <a:endParaRPr lang="en-US"/>
           </a:p>
@@ -5461,7 +5461,7 @@
           <a:p>
             <a:fld id="{96AEE0EA-3937-45AC-9B26-E3B0E4A57D54}" type="datetimeFigureOut">
               <a:rPr lang="en-US" smtClean="0"/>
-              <a:t>4/29/2018</a:t>
+              <a:t>4/30/2018</a:t>
             </a:fld>
             <a:endParaRPr lang="en-US"/>
           </a:p>
@@ -5704,7 +5704,7 @@
           <a:p>
             <a:fld id="{96AEE0EA-3937-45AC-9B26-E3B0E4A57D54}" type="datetimeFigureOut">
               <a:rPr lang="en-US" smtClean="0"/>
-              <a:t>4/29/2018</a:t>
+              <a:t>4/30/2018</a:t>
             </a:fld>
             <a:endParaRPr lang="en-US"/>
           </a:p>
@@ -6138,8 +6138,21 @@
           <a:p>
             <a:r>
               <a:rPr lang="en-US" dirty="0"/>
-              <a:t>Tizen</a:t>
-            </a:r>
+              <a:t>Tizen 3.0</a:t>
+            </a:r>
+            <a:r>
+              <a:rPr lang="en-US" sz="3200" dirty="0"/>
+              <a:t>(</a:t>
+            </a:r>
+            <a:r>
+              <a:rPr lang="en-US" sz="3200" dirty="0" err="1"/>
+              <a:t>ish</a:t>
+            </a:r>
+            <a:r>
+              <a:rPr lang="en-US" sz="3200" dirty="0"/>
+              <a:t>)</a:t>
+            </a:r>
+            <a:endParaRPr lang="en-US" dirty="0"/>
           </a:p>
         </p:txBody>
       </p:sp>
@@ -6201,105 +6214,189 @@
           <a:chExt cx="0" cy="0"/>
         </a:xfrm>
       </p:grpSpPr>
-      <p:sp>
-        <p:nvSpPr>
-          <p:cNvPr id="2" name="Title 1">
+      <p:pic>
+        <p:nvPicPr>
+          <p:cNvPr id="5" name="Content Placeholder 4">
             <a:extLst>
               <a:ext uri="{FF2B5EF4-FFF2-40B4-BE49-F238E27FC236}">
-                <a16:creationId xmlns:a16="http://schemas.microsoft.com/office/drawing/2014/main" id="{DD8C392E-D8E2-432B-AFE3-837A23601215}"/>
+                <a16:creationId xmlns:a16="http://schemas.microsoft.com/office/drawing/2014/main" id="{00DBA6E4-51B9-4391-94CB-019664126FC6}"/>
               </a:ext>
             </a:extLst>
           </p:cNvPr>
-          <p:cNvSpPr>
-            <a:spLocks noGrp="1"/>
-          </p:cNvSpPr>
-          <p:nvPr>
-            <p:ph type="title"/>
-          </p:nvPr>
-        </p:nvSpPr>
-        <p:spPr>
-          <a:xfrm>
-            <a:off x="1790700" y="639315"/>
-            <a:ext cx="8610600" cy="1293028"/>
-          </a:xfrm>
-        </p:spPr>
-        <p:txBody>
-          <a:bodyPr/>
-          <a:lstStyle/>
-          <a:p>
-            <a:pPr algn="ctr"/>
-            <a:r>
-              <a:rPr lang="en-US" dirty="0"/>
-              <a:t>Privilege level</a:t>
-            </a:r>
-          </a:p>
-        </p:txBody>
-      </p:sp>
-      <p:sp>
-        <p:nvSpPr>
-          <p:cNvPr id="3" name="Content Placeholder 2">
+          <p:cNvPicPr>
+            <a:picLocks noGrp="1" noChangeAspect="1"/>
+          </p:cNvPicPr>
+          <p:nvPr>
+            <p:ph idx="1"/>
+          </p:nvPr>
+        </p:nvPicPr>
+        <p:blipFill>
+          <a:blip r:embed="rId2">
+            <a:extLst>
+              <a:ext uri="{28A0092B-C50C-407E-A947-70E740481C1C}">
+                <a14:useLocalDpi xmlns:a14="http://schemas.microsoft.com/office/drawing/2010/main" val="0"/>
+              </a:ext>
+            </a:extLst>
+          </a:blip>
+          <a:stretch>
+            <a:fillRect/>
+          </a:stretch>
+        </p:blipFill>
+        <p:spPr>
+          <a:xfrm>
+            <a:off x="105714" y="99060"/>
+            <a:ext cx="3711906" cy="3149368"/>
+          </a:xfrm>
+        </p:spPr>
+      </p:pic>
+      <p:pic>
+        <p:nvPicPr>
+          <p:cNvPr id="7" name="Picture 6">
             <a:extLst>
               <a:ext uri="{FF2B5EF4-FFF2-40B4-BE49-F238E27FC236}">
-                <a16:creationId xmlns:a16="http://schemas.microsoft.com/office/drawing/2014/main" id="{9A616609-B7A8-408E-B8B1-0708F6F06C3D}"/>
+                <a16:creationId xmlns:a16="http://schemas.microsoft.com/office/drawing/2014/main" id="{C234B599-46EC-4E6B-978F-859D98490EB1}"/>
               </a:ext>
             </a:extLst>
           </p:cNvPr>
-          <p:cNvSpPr>
-            <a:spLocks noGrp="1"/>
-          </p:cNvSpPr>
-          <p:nvPr>
-            <p:ph idx="1"/>
-          </p:nvPr>
-        </p:nvSpPr>
-        <p:spPr/>
-        <p:txBody>
-          <a:bodyPr/>
-          <a:lstStyle/>
-          <a:p>
-            <a:r>
-              <a:rPr lang="en-US" dirty="0">
-                <a:hlinkClick r:id="rId2"/>
-              </a:rPr>
-              <a:t>https://developer.tizen.org/ko/development/training/native-application/understanding-tizen-programming/security-and-api-privileges?langredirect=1</a:t>
-            </a:r>
-            <a:endParaRPr lang="en-US" dirty="0"/>
-          </a:p>
-          <a:p>
-            <a:endParaRPr lang="en-US" dirty="0"/>
-          </a:p>
-          <a:p>
-            <a:r>
-              <a:rPr lang="en-US" dirty="0"/>
-              <a:t>&lt;privileges&gt;</a:t>
-            </a:r>
-          </a:p>
-          <a:p>
-            <a:r>
-              <a:rPr lang="en-US" dirty="0"/>
-              <a:t>        &lt;privilege&gt;http://tizen.org/privilege/dpm.security&lt;/privilege&gt;</a:t>
-            </a:r>
-          </a:p>
-          <a:p>
-            <a:r>
-              <a:rPr lang="en-US" dirty="0"/>
-              <a:t>    &lt;/privileges&gt;</a:t>
-            </a:r>
-          </a:p>
-          <a:p>
-            <a:r>
-              <a:rPr lang="en-US" dirty="0"/>
-              <a:t>&lt;/manifest&gt;</a:t>
-            </a:r>
-          </a:p>
-          <a:p>
-            <a:endParaRPr lang="en-US" dirty="0"/>
-          </a:p>
-        </p:txBody>
-      </p:sp>
+          <p:cNvPicPr>
+            <a:picLocks noChangeAspect="1"/>
+          </p:cNvPicPr>
+          <p:nvPr/>
+        </p:nvPicPr>
+        <p:blipFill>
+          <a:blip r:embed="rId3">
+            <a:extLst>
+              <a:ext uri="{28A0092B-C50C-407E-A947-70E740481C1C}">
+                <a14:useLocalDpi xmlns:a14="http://schemas.microsoft.com/office/drawing/2010/main" val="0"/>
+              </a:ext>
+            </a:extLst>
+          </a:blip>
+          <a:stretch>
+            <a:fillRect/>
+          </a:stretch>
+        </p:blipFill>
+        <p:spPr>
+          <a:xfrm>
+            <a:off x="4240047" y="99060"/>
+            <a:ext cx="3711906" cy="3135257"/>
+          </a:xfrm>
+          <a:prstGeom prst="rect">
+            <a:avLst/>
+          </a:prstGeom>
+        </p:spPr>
+      </p:pic>
+      <p:pic>
+        <p:nvPicPr>
+          <p:cNvPr id="9" name="Picture 8">
+            <a:extLst>
+              <a:ext uri="{FF2B5EF4-FFF2-40B4-BE49-F238E27FC236}">
+                <a16:creationId xmlns:a16="http://schemas.microsoft.com/office/drawing/2014/main" id="{51EF0A8E-5FC5-45C6-AAD8-C56DC1E4DD4A}"/>
+              </a:ext>
+            </a:extLst>
+          </p:cNvPr>
+          <p:cNvPicPr>
+            <a:picLocks noChangeAspect="1"/>
+          </p:cNvPicPr>
+          <p:nvPr/>
+        </p:nvPicPr>
+        <p:blipFill>
+          <a:blip r:embed="rId4">
+            <a:extLst>
+              <a:ext uri="{28A0092B-C50C-407E-A947-70E740481C1C}">
+                <a14:useLocalDpi xmlns:a14="http://schemas.microsoft.com/office/drawing/2010/main" val="0"/>
+              </a:ext>
+            </a:extLst>
+          </a:blip>
+          <a:stretch>
+            <a:fillRect/>
+          </a:stretch>
+        </p:blipFill>
+        <p:spPr>
+          <a:xfrm>
+            <a:off x="8374380" y="99060"/>
+            <a:ext cx="3686045" cy="3135257"/>
+          </a:xfrm>
+          <a:prstGeom prst="rect">
+            <a:avLst/>
+          </a:prstGeom>
+        </p:spPr>
+      </p:pic>
+      <p:pic>
+        <p:nvPicPr>
+          <p:cNvPr id="11" name="Picture 10">
+            <a:extLst>
+              <a:ext uri="{FF2B5EF4-FFF2-40B4-BE49-F238E27FC236}">
+                <a16:creationId xmlns:a16="http://schemas.microsoft.com/office/drawing/2014/main" id="{E2FCA807-F368-4F04-93CF-ACE2FA1C82DF}"/>
+              </a:ext>
+            </a:extLst>
+          </p:cNvPr>
+          <p:cNvPicPr>
+            <a:picLocks noChangeAspect="1"/>
+          </p:cNvPicPr>
+          <p:nvPr/>
+        </p:nvPicPr>
+        <p:blipFill>
+          <a:blip r:embed="rId5">
+            <a:extLst>
+              <a:ext uri="{28A0092B-C50C-407E-A947-70E740481C1C}">
+                <a14:useLocalDpi xmlns:a14="http://schemas.microsoft.com/office/drawing/2010/main" val="0"/>
+              </a:ext>
+            </a:extLst>
+          </a:blip>
+          <a:stretch>
+            <a:fillRect/>
+          </a:stretch>
+        </p:blipFill>
+        <p:spPr>
+          <a:xfrm>
+            <a:off x="1961667" y="3429000"/>
+            <a:ext cx="3711905" cy="3138869"/>
+          </a:xfrm>
+          <a:prstGeom prst="rect">
+            <a:avLst/>
+          </a:prstGeom>
+        </p:spPr>
+      </p:pic>
+      <p:pic>
+        <p:nvPicPr>
+          <p:cNvPr id="13" name="Picture 12" descr="A screenshot of a cell phone&#10;&#10;Description generated with very high confidence">
+            <a:extLst>
+              <a:ext uri="{FF2B5EF4-FFF2-40B4-BE49-F238E27FC236}">
+                <a16:creationId xmlns:a16="http://schemas.microsoft.com/office/drawing/2014/main" id="{247175DD-8CF9-4A9B-9022-CD6A9BFEB8C0}"/>
+              </a:ext>
+            </a:extLst>
+          </p:cNvPr>
+          <p:cNvPicPr>
+            <a:picLocks noChangeAspect="1"/>
+          </p:cNvPicPr>
+          <p:nvPr/>
+        </p:nvPicPr>
+        <p:blipFill>
+          <a:blip r:embed="rId6">
+            <a:extLst>
+              <a:ext uri="{28A0092B-C50C-407E-A947-70E740481C1C}">
+                <a14:useLocalDpi xmlns:a14="http://schemas.microsoft.com/office/drawing/2010/main" val="0"/>
+              </a:ext>
+            </a:extLst>
+          </a:blip>
+          <a:stretch>
+            <a:fillRect/>
+          </a:stretch>
+        </p:blipFill>
+        <p:spPr>
+          <a:xfrm>
+            <a:off x="6525988" y="3425388"/>
+            <a:ext cx="3692536" cy="3138869"/>
+          </a:xfrm>
+          <a:prstGeom prst="rect">
+            <a:avLst/>
+          </a:prstGeom>
+        </p:spPr>
+      </p:pic>
     </p:spTree>
     <p:extLst>
       <p:ext uri="{BB962C8B-B14F-4D97-AF65-F5344CB8AC3E}">
-        <p14:creationId xmlns:p14="http://schemas.microsoft.com/office/powerpoint/2010/main" val="2650767692"/>
+        <p14:creationId xmlns:p14="http://schemas.microsoft.com/office/powerpoint/2010/main" val="772246561"/>
       </p:ext>
     </p:extLst>
   </p:cSld>
@@ -6422,7 +6519,16 @@
               <a:rPr lang="en-US" dirty="0">
                 <a:sym typeface="Wingdings" panose="05000000000000000000" pitchFamily="2" charset="2"/>
               </a:rPr>
-              <a:t>Connect VIA Bluetooth</a:t>
+              <a:t>Connect VIA Bluetooth if needed</a:t>
+            </a:r>
+          </a:p>
+          <a:p>
+            <a:pPr lvl="1"/>
+            <a:r>
+              <a:rPr lang="en-US" dirty="0">
+                <a:sym typeface="Wingdings" panose="05000000000000000000" pitchFamily="2" charset="2"/>
+              </a:rPr>
+              <a:t>**I don’t believe this is necessary</a:t>
             </a:r>
           </a:p>
           <a:p>
@@ -10481,189 +10587,105 @@
           <a:chExt cx="0" cy="0"/>
         </a:xfrm>
       </p:grpSpPr>
-      <p:pic>
-        <p:nvPicPr>
-          <p:cNvPr id="5" name="Content Placeholder 4">
+      <p:sp>
+        <p:nvSpPr>
+          <p:cNvPr id="2" name="Title 1">
             <a:extLst>
               <a:ext uri="{FF2B5EF4-FFF2-40B4-BE49-F238E27FC236}">
-                <a16:creationId xmlns:a16="http://schemas.microsoft.com/office/drawing/2014/main" id="{00DBA6E4-51B9-4391-94CB-019664126FC6}"/>
+                <a16:creationId xmlns:a16="http://schemas.microsoft.com/office/drawing/2014/main" id="{DD8C392E-D8E2-432B-AFE3-837A23601215}"/>
               </a:ext>
             </a:extLst>
           </p:cNvPr>
-          <p:cNvPicPr>
-            <a:picLocks noGrp="1" noChangeAspect="1"/>
-          </p:cNvPicPr>
+          <p:cNvSpPr>
+            <a:spLocks noGrp="1"/>
+          </p:cNvSpPr>
+          <p:nvPr>
+            <p:ph type="title"/>
+          </p:nvPr>
+        </p:nvSpPr>
+        <p:spPr>
+          <a:xfrm>
+            <a:off x="1790700" y="639315"/>
+            <a:ext cx="8610600" cy="1293028"/>
+          </a:xfrm>
+        </p:spPr>
+        <p:txBody>
+          <a:bodyPr/>
+          <a:lstStyle/>
+          <a:p>
+            <a:pPr algn="ctr"/>
+            <a:r>
+              <a:rPr lang="en-US" dirty="0"/>
+              <a:t>Privilege level</a:t>
+            </a:r>
+          </a:p>
+        </p:txBody>
+      </p:sp>
+      <p:sp>
+        <p:nvSpPr>
+          <p:cNvPr id="3" name="Content Placeholder 2">
+            <a:extLst>
+              <a:ext uri="{FF2B5EF4-FFF2-40B4-BE49-F238E27FC236}">
+                <a16:creationId xmlns:a16="http://schemas.microsoft.com/office/drawing/2014/main" id="{9A616609-B7A8-408E-B8B1-0708F6F06C3D}"/>
+              </a:ext>
+            </a:extLst>
+          </p:cNvPr>
+          <p:cNvSpPr>
+            <a:spLocks noGrp="1"/>
+          </p:cNvSpPr>
           <p:nvPr>
             <p:ph idx="1"/>
           </p:nvPr>
-        </p:nvPicPr>
-        <p:blipFill>
-          <a:blip r:embed="rId2">
-            <a:extLst>
-              <a:ext uri="{28A0092B-C50C-407E-A947-70E740481C1C}">
-                <a14:useLocalDpi xmlns:a14="http://schemas.microsoft.com/office/drawing/2010/main" val="0"/>
-              </a:ext>
-            </a:extLst>
-          </a:blip>
-          <a:stretch>
-            <a:fillRect/>
-          </a:stretch>
-        </p:blipFill>
-        <p:spPr>
-          <a:xfrm>
-            <a:off x="105714" y="99060"/>
-            <a:ext cx="3711906" cy="3149368"/>
-          </a:xfrm>
-        </p:spPr>
-      </p:pic>
-      <p:pic>
-        <p:nvPicPr>
-          <p:cNvPr id="7" name="Picture 6">
-            <a:extLst>
-              <a:ext uri="{FF2B5EF4-FFF2-40B4-BE49-F238E27FC236}">
-                <a16:creationId xmlns:a16="http://schemas.microsoft.com/office/drawing/2014/main" id="{C234B599-46EC-4E6B-978F-859D98490EB1}"/>
-              </a:ext>
-            </a:extLst>
-          </p:cNvPr>
-          <p:cNvPicPr>
-            <a:picLocks noChangeAspect="1"/>
-          </p:cNvPicPr>
-          <p:nvPr/>
-        </p:nvPicPr>
-        <p:blipFill>
-          <a:blip r:embed="rId3">
-            <a:extLst>
-              <a:ext uri="{28A0092B-C50C-407E-A947-70E740481C1C}">
-                <a14:useLocalDpi xmlns:a14="http://schemas.microsoft.com/office/drawing/2010/main" val="0"/>
-              </a:ext>
-            </a:extLst>
-          </a:blip>
-          <a:stretch>
-            <a:fillRect/>
-          </a:stretch>
-        </p:blipFill>
-        <p:spPr>
-          <a:xfrm>
-            <a:off x="4240047" y="99060"/>
-            <a:ext cx="3711906" cy="3135257"/>
-          </a:xfrm>
-          <a:prstGeom prst="rect">
-            <a:avLst/>
-          </a:prstGeom>
-        </p:spPr>
-      </p:pic>
-      <p:pic>
-        <p:nvPicPr>
-          <p:cNvPr id="9" name="Picture 8">
-            <a:extLst>
-              <a:ext uri="{FF2B5EF4-FFF2-40B4-BE49-F238E27FC236}">
-                <a16:creationId xmlns:a16="http://schemas.microsoft.com/office/drawing/2014/main" id="{51EF0A8E-5FC5-45C6-AAD8-C56DC1E4DD4A}"/>
-              </a:ext>
-            </a:extLst>
-          </p:cNvPr>
-          <p:cNvPicPr>
-            <a:picLocks noChangeAspect="1"/>
-          </p:cNvPicPr>
-          <p:nvPr/>
-        </p:nvPicPr>
-        <p:blipFill>
-          <a:blip r:embed="rId4">
-            <a:extLst>
-              <a:ext uri="{28A0092B-C50C-407E-A947-70E740481C1C}">
-                <a14:useLocalDpi xmlns:a14="http://schemas.microsoft.com/office/drawing/2010/main" val="0"/>
-              </a:ext>
-            </a:extLst>
-          </a:blip>
-          <a:stretch>
-            <a:fillRect/>
-          </a:stretch>
-        </p:blipFill>
-        <p:spPr>
-          <a:xfrm>
-            <a:off x="8374380" y="99060"/>
-            <a:ext cx="3686045" cy="3135257"/>
-          </a:xfrm>
-          <a:prstGeom prst="rect">
-            <a:avLst/>
-          </a:prstGeom>
-        </p:spPr>
-      </p:pic>
-      <p:pic>
-        <p:nvPicPr>
-          <p:cNvPr id="11" name="Picture 10">
-            <a:extLst>
-              <a:ext uri="{FF2B5EF4-FFF2-40B4-BE49-F238E27FC236}">
-                <a16:creationId xmlns:a16="http://schemas.microsoft.com/office/drawing/2014/main" id="{E2FCA807-F368-4F04-93CF-ACE2FA1C82DF}"/>
-              </a:ext>
-            </a:extLst>
-          </p:cNvPr>
-          <p:cNvPicPr>
-            <a:picLocks noChangeAspect="1"/>
-          </p:cNvPicPr>
-          <p:nvPr/>
-        </p:nvPicPr>
-        <p:blipFill>
-          <a:blip r:embed="rId5">
-            <a:extLst>
-              <a:ext uri="{28A0092B-C50C-407E-A947-70E740481C1C}">
-                <a14:useLocalDpi xmlns:a14="http://schemas.microsoft.com/office/drawing/2010/main" val="0"/>
-              </a:ext>
-            </a:extLst>
-          </a:blip>
-          <a:stretch>
-            <a:fillRect/>
-          </a:stretch>
-        </p:blipFill>
-        <p:spPr>
-          <a:xfrm>
-            <a:off x="1961667" y="3429000"/>
-            <a:ext cx="3711905" cy="3138869"/>
-          </a:xfrm>
-          <a:prstGeom prst="rect">
-            <a:avLst/>
-          </a:prstGeom>
-        </p:spPr>
-      </p:pic>
-      <p:pic>
-        <p:nvPicPr>
-          <p:cNvPr id="13" name="Picture 12" descr="A screenshot of a cell phone&#10;&#10;Description generated with very high confidence">
-            <a:extLst>
-              <a:ext uri="{FF2B5EF4-FFF2-40B4-BE49-F238E27FC236}">
-                <a16:creationId xmlns:a16="http://schemas.microsoft.com/office/drawing/2014/main" id="{247175DD-8CF9-4A9B-9022-CD6A9BFEB8C0}"/>
-              </a:ext>
-            </a:extLst>
-          </p:cNvPr>
-          <p:cNvPicPr>
-            <a:picLocks noChangeAspect="1"/>
-          </p:cNvPicPr>
-          <p:nvPr/>
-        </p:nvPicPr>
-        <p:blipFill>
-          <a:blip r:embed="rId6">
-            <a:extLst>
-              <a:ext uri="{28A0092B-C50C-407E-A947-70E740481C1C}">
-                <a14:useLocalDpi xmlns:a14="http://schemas.microsoft.com/office/drawing/2010/main" val="0"/>
-              </a:ext>
-            </a:extLst>
-          </a:blip>
-          <a:stretch>
-            <a:fillRect/>
-          </a:stretch>
-        </p:blipFill>
-        <p:spPr>
-          <a:xfrm>
-            <a:off x="6525988" y="3425388"/>
-            <a:ext cx="3692536" cy="3138869"/>
-          </a:xfrm>
-          <a:prstGeom prst="rect">
-            <a:avLst/>
-          </a:prstGeom>
-        </p:spPr>
-      </p:pic>
+        </p:nvSpPr>
+        <p:spPr/>
+        <p:txBody>
+          <a:bodyPr/>
+          <a:lstStyle/>
+          <a:p>
+            <a:r>
+              <a:rPr lang="en-US" dirty="0">
+                <a:hlinkClick r:id="rId2"/>
+              </a:rPr>
+              <a:t>https://developer.tizen.org/ko/development/training/native-application/understanding-tizen-programming/security-and-api-privileges?langredirect=1</a:t>
+            </a:r>
+            <a:endParaRPr lang="en-US" dirty="0"/>
+          </a:p>
+          <a:p>
+            <a:endParaRPr lang="en-US" dirty="0"/>
+          </a:p>
+          <a:p>
+            <a:r>
+              <a:rPr lang="en-US" dirty="0"/>
+              <a:t>&lt;privileges&gt;</a:t>
+            </a:r>
+          </a:p>
+          <a:p>
+            <a:r>
+              <a:rPr lang="en-US" dirty="0"/>
+              <a:t>        &lt;privilege&gt;http://tizen.org/privilege/dpm.security&lt;/privilege&gt;</a:t>
+            </a:r>
+          </a:p>
+          <a:p>
+            <a:r>
+              <a:rPr lang="en-US" dirty="0"/>
+              <a:t>    &lt;/privileges&gt;</a:t>
+            </a:r>
+          </a:p>
+          <a:p>
+            <a:r>
+              <a:rPr lang="en-US" dirty="0"/>
+              <a:t>&lt;/manifest&gt;</a:t>
+            </a:r>
+          </a:p>
+          <a:p>
+            <a:endParaRPr lang="en-US" dirty="0"/>
+          </a:p>
+        </p:txBody>
+      </p:sp>
     </p:spTree>
     <p:extLst>
       <p:ext uri="{BB962C8B-B14F-4D97-AF65-F5344CB8AC3E}">
-        <p14:creationId xmlns:p14="http://schemas.microsoft.com/office/powerpoint/2010/main" val="772246561"/>
+        <p14:creationId xmlns:p14="http://schemas.microsoft.com/office/powerpoint/2010/main" val="2650767692"/>
       </p:ext>
     </p:extLst>
   </p:cSld>
